--- a/SHADER/slides/00 - Organisation.pptx
+++ b/SHADER/slides/00 - Organisation.pptx
@@ -1,6 +1,6 @@
 
 <file path=ppt/presentation.xml><?xml version="1.0" encoding="utf-8"?>
-<p:presentation xmlns:a="http://schemas.openxmlformats.org/drawingml/2006/main" xmlns:r="http://schemas.openxmlformats.org/officeDocument/2006/relationships" xmlns:p="http://schemas.openxmlformats.org/presentationml/2006/main" saveSubsetFonts="1">
+<p:presentation xmlns:a="http://schemas.openxmlformats.org/drawingml/2006/main" xmlns:r="http://schemas.openxmlformats.org/officeDocument/2006/relationships" xmlns:p="http://schemas.openxmlformats.org/presentationml/2006/main" removePersonalInfoOnSave="1" saveSubsetFonts="1">
   <p:sldMasterIdLst>
     <p:sldMasterId id="2147483662" r:id="rId1"/>
   </p:sldMasterIdLst>
@@ -206,7 +206,7 @@
           <a:p>
             <a:fld id="{31166A18-0F8A-4E0A-A6DF-BF2778029F7C}" type="datetimeFigureOut">
               <a:rPr lang="en-US" smtClean="0"/>
-              <a:t>3/15/2017</a:t>
+              <a:t>3/19/2017</a:t>
             </a:fld>
             <a:endParaRPr lang="en-US"/>
           </a:p>
@@ -768,7 +768,7 @@
           <p:nvPr/>
         </p:nvPicPr>
         <p:blipFill rotWithShape="1">
-          <a:blip r:embed="rId2">
+          <a:blip r:embed="rId2" cstate="print">
             <a:extLst>
               <a:ext uri="{28A0092B-C50C-407E-A947-70E740481C1C}">
                 <a14:useLocalDpi xmlns:a14="http://schemas.microsoft.com/office/drawing/2010/main" val="0"/>
@@ -2990,13 +2990,8 @@
             </a:r>
             <a:r>
               <a:rPr lang="en-US" altLang="en-US" dirty="0" smtClean="0"/>
-              <a:t>video (YouTube</a:t>
-            </a:r>
-            <a:r>
-              <a:rPr lang="en-US" altLang="en-US" dirty="0" smtClean="0"/>
-              <a:t>)</a:t>
-            </a:r>
-            <a:endParaRPr lang="en-US" altLang="en-US" dirty="0" smtClean="0"/>
+              <a:t>video (YouTube)</a:t>
+            </a:r>
           </a:p>
         </p:txBody>
       </p:sp>
